--- a/PPT FWD TNSDC 2025(2).pptx
+++ b/PPT FWD TNSDC 2025(2).pptx
@@ -3230,410 +3230,12 @@
         <p:spPr>
           <a:xfrm>
             <a:off x="609600" y="1577340"/>
-            <a:ext cx="10972800" cy="16619934"/>
+            <a:ext cx="10972800" cy="276999"/>
           </a:xfrm>
         </p:spPr>
         <p:txBody>
           <a:bodyPr/>
           <a:lstStyle/>
-          <a:p>
-            <a:r>
-              <a:rPr lang="en-US" dirty="0"/>
-              <a:t>◆ Results</a:t>
-            </a:r>
-          </a:p>
-          <a:p>
-            <a:r>
-              <a:rPr lang="en-US" dirty="0"/>
-              <a:t/>
-            </a:r>
-            <a:br>
-              <a:rPr lang="en-US" dirty="0"/>
-            </a:br>
-            <a:endParaRPr lang="en-US" dirty="0"/>
-          </a:p>
-          <a:p>
-            <a:r>
-              <a:rPr lang="en-US" dirty="0"/>
-              <a:t>The </a:t>
-            </a:r>
-            <a:r>
-              <a:rPr lang="en-US" b="1" dirty="0" err="1"/>
-              <a:t>Sidharth</a:t>
-            </a:r>
-            <a:r>
-              <a:rPr lang="en-US" b="1" dirty="0"/>
-              <a:t> S </a:t>
-            </a:r>
-            <a:r>
-              <a:rPr lang="en-US" b="1" dirty="0" smtClean="0"/>
-              <a:t> </a:t>
-            </a:r>
-            <a:r>
-              <a:rPr lang="en-US" dirty="0" smtClean="0"/>
-              <a:t>Portfolio </a:t>
-            </a:r>
-            <a:r>
-              <a:rPr lang="en-US" dirty="0"/>
-              <a:t>Website was successfully developed as a single-page website using HTML, CSS, and JavaScript. The final outcome is:</a:t>
-            </a:r>
-          </a:p>
-          <a:p>
-            <a:r>
-              <a:rPr lang="en-US" dirty="0"/>
-              <a:t/>
-            </a:r>
-            <a:br>
-              <a:rPr lang="en-US" dirty="0"/>
-            </a:br>
-            <a:endParaRPr lang="en-US" dirty="0"/>
-          </a:p>
-          <a:p>
-            <a:r>
-              <a:rPr lang="en-US" dirty="0"/>
-              <a:t>1. A user-friendly interface with simple navigation (About, Projects, Contact).</a:t>
-            </a:r>
-          </a:p>
-          <a:p>
-            <a:r>
-              <a:rPr lang="en-US" dirty="0"/>
-              <a:t/>
-            </a:r>
-            <a:br>
-              <a:rPr lang="en-US" dirty="0"/>
-            </a:br>
-            <a:endParaRPr lang="en-US" dirty="0"/>
-          </a:p>
-          <a:p>
-            <a:r>
-              <a:rPr lang="en-US" dirty="0"/>
-              <a:t>2. Projects displayed in card format with hover effects.</a:t>
-            </a:r>
-          </a:p>
-          <a:p>
-            <a:r>
-              <a:rPr lang="en-US" dirty="0"/>
-              <a:t/>
-            </a:r>
-            <a:br>
-              <a:rPr lang="en-US" dirty="0"/>
-            </a:br>
-            <a:endParaRPr lang="en-US" dirty="0"/>
-          </a:p>
-          <a:p>
-            <a:r>
-              <a:rPr lang="en-US" dirty="0"/>
-              <a:t>3. Dynamic project addition using a JavaScript button.</a:t>
-            </a:r>
-          </a:p>
-          <a:p>
-            <a:r>
-              <a:rPr lang="en-US" dirty="0"/>
-              <a:t/>
-            </a:r>
-            <a:br>
-              <a:rPr lang="en-US" dirty="0"/>
-            </a:br>
-            <a:endParaRPr lang="en-US" dirty="0"/>
-          </a:p>
-          <a:p>
-            <a:r>
-              <a:rPr lang="en-US" dirty="0"/>
-              <a:t>4. A dean and responsive design that works on desktops, tablets, and mobile devices.</a:t>
-            </a:r>
-          </a:p>
-          <a:p>
-            <a:r>
-              <a:rPr lang="en-US" dirty="0"/>
-              <a:t/>
-            </a:r>
-            <a:br>
-              <a:rPr lang="en-US" dirty="0"/>
-            </a:br>
-            <a:endParaRPr lang="en-US" dirty="0"/>
-          </a:p>
-          <a:p>
-            <a:r>
-              <a:rPr lang="en-US" dirty="0"/>
-              <a:t>5. Easy-to-read contact details for communication.</a:t>
-            </a:r>
-          </a:p>
-          <a:p>
-            <a:r>
-              <a:rPr lang="en-US" dirty="0"/>
-              <a:t/>
-            </a:r>
-            <a:br>
-              <a:rPr lang="en-US" dirty="0"/>
-            </a:br>
-            <a:endParaRPr lang="en-US" dirty="0"/>
-          </a:p>
-          <a:p>
-            <a:r>
-              <a:rPr lang="en-US" dirty="0"/>
-              <a:t>This website provides </a:t>
-            </a:r>
-            <a:r>
-              <a:rPr lang="en-US" b="1" dirty="0" err="1"/>
-              <a:t>Sidharth</a:t>
-            </a:r>
-            <a:r>
-              <a:rPr lang="en-US" b="1" dirty="0"/>
-              <a:t> S </a:t>
-            </a:r>
-            <a:r>
-              <a:rPr lang="en-US" dirty="0" smtClean="0"/>
-              <a:t>with </a:t>
-            </a:r>
-            <a:r>
-              <a:rPr lang="en-US" dirty="0"/>
-              <a:t>a personal online presence that highlights skills and projects effectively.</a:t>
-            </a:r>
-          </a:p>
-          <a:p>
-            <a:r>
-              <a:rPr lang="en-US" dirty="0"/>
-              <a:t/>
-            </a:r>
-            <a:br>
-              <a:rPr lang="en-US" dirty="0"/>
-            </a:br>
-            <a:endParaRPr lang="en-US" dirty="0"/>
-          </a:p>
-          <a:p>
-            <a:r>
-              <a:rPr lang="en-US" dirty="0"/>
-              <a:t>Screenshots (to be added in report)</a:t>
-            </a:r>
-          </a:p>
-          <a:p>
-            <a:r>
-              <a:rPr lang="en-US" dirty="0"/>
-              <a:t/>
-            </a:r>
-            <a:br>
-              <a:rPr lang="en-US" dirty="0"/>
-            </a:br>
-            <a:endParaRPr lang="en-US" dirty="0"/>
-          </a:p>
-          <a:p>
-            <a:r>
-              <a:rPr lang="en-US" dirty="0"/>
-              <a:t>1. Homepage/Header</a:t>
-            </a:r>
-          </a:p>
-          <a:p>
-            <a:r>
-              <a:rPr lang="en-US" dirty="0"/>
-              <a:t/>
-            </a:r>
-            <a:br>
-              <a:rPr lang="en-US" dirty="0"/>
-            </a:br>
-            <a:endParaRPr lang="en-US" dirty="0"/>
-          </a:p>
-          <a:p>
-            <a:r>
-              <a:rPr lang="en-US" dirty="0"/>
-              <a:t>Screenshot showing the title </a:t>
-            </a:r>
-            <a:r>
-              <a:rPr lang="en-US" dirty="0" smtClean="0"/>
-              <a:t>"</a:t>
-            </a:r>
-            <a:r>
-              <a:rPr lang="en-US" b="1" dirty="0"/>
-              <a:t> </a:t>
-            </a:r>
-            <a:r>
-              <a:rPr lang="en-US" b="1" dirty="0" err="1"/>
-              <a:t>Sidharth</a:t>
-            </a:r>
-            <a:r>
-              <a:rPr lang="en-US" b="1" dirty="0"/>
-              <a:t> S</a:t>
-            </a:r>
-            <a:r>
-              <a:rPr lang="en-US" dirty="0" smtClean="0"/>
-              <a:t> </a:t>
-            </a:r>
-            <a:r>
-              <a:rPr lang="en-US" dirty="0"/>
-              <a:t>Portfolio with navigation links (About | Projects | Contac</a:t>
-            </a:r>
-          </a:p>
-          <a:p>
-            <a:r>
-              <a:rPr lang="en-US" dirty="0"/>
-              <a:t/>
-            </a:r>
-            <a:br>
-              <a:rPr lang="en-US" dirty="0"/>
-            </a:br>
-            <a:endParaRPr lang="en-US" dirty="0"/>
-          </a:p>
-          <a:p>
-            <a:r>
-              <a:rPr lang="en-US" dirty="0"/>
-              <a:t>2. About Section</a:t>
-            </a:r>
-          </a:p>
-          <a:p>
-            <a:r>
-              <a:rPr lang="en-US" dirty="0"/>
-              <a:t/>
-            </a:r>
-            <a:br>
-              <a:rPr lang="en-US" dirty="0"/>
-            </a:br>
-            <a:endParaRPr lang="en-US" dirty="0"/>
-          </a:p>
-          <a:p>
-            <a:r>
-              <a:rPr lang="en-US" dirty="0"/>
-              <a:t>Screenshot showing </a:t>
-            </a:r>
-            <a:r>
-              <a:rPr lang="en-US" b="1" dirty="0" err="1"/>
-              <a:t>Sidharth</a:t>
-            </a:r>
-            <a:r>
-              <a:rPr lang="en-US" b="1" dirty="0"/>
-              <a:t> S </a:t>
-            </a:r>
-            <a:r>
-              <a:rPr lang="en-US" b="1" dirty="0" smtClean="0"/>
-              <a:t> </a:t>
-            </a:r>
-            <a:r>
-              <a:rPr lang="en-US" dirty="0" smtClean="0"/>
-              <a:t>introduction</a:t>
-            </a:r>
-            <a:r>
-              <a:rPr lang="en-US" dirty="0"/>
-              <a:t>.</a:t>
-            </a:r>
-          </a:p>
-          <a:p>
-            <a:r>
-              <a:rPr lang="en-US" dirty="0"/>
-              <a:t/>
-            </a:r>
-            <a:br>
-              <a:rPr lang="en-US" dirty="0"/>
-            </a:br>
-            <a:endParaRPr lang="en-US" dirty="0"/>
-          </a:p>
-          <a:p>
-            <a:r>
-              <a:rPr lang="en-US" dirty="0"/>
-              <a:t>3. Projects Section</a:t>
-            </a:r>
-          </a:p>
-          <a:p>
-            <a:r>
-              <a:rPr lang="en-US" dirty="0"/>
-              <a:t/>
-            </a:r>
-            <a:br>
-              <a:rPr lang="en-US" dirty="0"/>
-            </a:br>
-            <a:endParaRPr lang="en-US" dirty="0"/>
-          </a:p>
-          <a:p>
-            <a:r>
-              <a:rPr lang="en-US" dirty="0"/>
-              <a:t>Screenshot of the project cards with hover effect.</a:t>
-            </a:r>
-          </a:p>
-          <a:p>
-            <a:r>
-              <a:rPr lang="en-US" dirty="0"/>
-              <a:t/>
-            </a:r>
-            <a:br>
-              <a:rPr lang="en-US" dirty="0"/>
-            </a:br>
-            <a:endParaRPr lang="en-US" dirty="0"/>
-          </a:p>
-          <a:p>
-            <a:r>
-              <a:rPr lang="en-US" dirty="0"/>
-              <a:t>Screenshot after clicking "Add Project" button to show a new project added dynamically.</a:t>
-            </a:r>
-          </a:p>
-          <a:p>
-            <a:r>
-              <a:rPr lang="en-US" dirty="0"/>
-              <a:t/>
-            </a:r>
-            <a:br>
-              <a:rPr lang="en-US" dirty="0"/>
-            </a:br>
-            <a:endParaRPr lang="en-US" dirty="0"/>
-          </a:p>
-          <a:p>
-            <a:r>
-              <a:rPr lang="en-US" dirty="0"/>
-              <a:t>4. Contact Section</a:t>
-            </a:r>
-          </a:p>
-          <a:p>
-            <a:r>
-              <a:rPr lang="en-US" dirty="0"/>
-              <a:t/>
-            </a:r>
-            <a:br>
-              <a:rPr lang="en-US" dirty="0"/>
-            </a:br>
-            <a:endParaRPr lang="en-US" dirty="0"/>
-          </a:p>
-          <a:p>
-            <a:r>
-              <a:rPr lang="en-US" dirty="0"/>
-              <a:t>Screenshot showing email and phone details.</a:t>
-            </a:r>
-          </a:p>
-          <a:p>
-            <a:r>
-              <a:rPr lang="en-US" dirty="0"/>
-              <a:t/>
-            </a:r>
-            <a:br>
-              <a:rPr lang="en-US" dirty="0"/>
-            </a:br>
-            <a:endParaRPr lang="en-US" dirty="0"/>
-          </a:p>
-          <a:p>
-            <a:r>
-              <a:rPr lang="en-US" dirty="0"/>
-              <a:t>5. Footer</a:t>
-            </a:r>
-          </a:p>
-          <a:p>
-            <a:r>
-              <a:rPr lang="en-US" dirty="0"/>
-              <a:t/>
-            </a:r>
-            <a:br>
-              <a:rPr lang="en-US" dirty="0"/>
-            </a:br>
-            <a:endParaRPr lang="en-US" dirty="0"/>
-          </a:p>
-          <a:p>
-            <a:r>
-              <a:rPr lang="en-US" dirty="0"/>
-              <a:t>Screenshot of the footer with copyright © </a:t>
-            </a:r>
-            <a:r>
-              <a:rPr lang="en-US" dirty="0" err="1"/>
-              <a:t>Abhinavvijay</a:t>
-            </a:r>
-            <a:r>
-              <a:rPr lang="en-US" dirty="0"/>
-              <a:t> </a:t>
-            </a:r>
-          </a:p>
           <a:p>
             <a:endParaRPr lang="en-IN" dirty="0"/>
           </a:p>
@@ -3734,6 +3336,36 @@
           </a:p>
         </p:txBody>
       </p:sp>
+      <p:pic>
+        <p:nvPicPr>
+          <p:cNvPr id="11" name="Picture 10"/>
+          <p:cNvPicPr>
+            <a:picLocks noChangeAspect="1"/>
+          </p:cNvPicPr>
+          <p:nvPr/>
+        </p:nvPicPr>
+        <p:blipFill>
+          <a:blip r:embed="rId3">
+            <a:extLst>
+              <a:ext uri="{28A0092B-C50C-407E-A947-70E740481C1C}">
+                <a14:useLocalDpi xmlns:a14="http://schemas.microsoft.com/office/drawing/2010/main" val="0"/>
+              </a:ext>
+            </a:extLst>
+          </a:blip>
+          <a:stretch>
+            <a:fillRect/>
+          </a:stretch>
+        </p:blipFill>
+        <p:spPr>
+          <a:xfrm>
+            <a:off x="2526030" y="1972448"/>
+            <a:ext cx="7008494" cy="3151515"/>
+          </a:xfrm>
+          <a:prstGeom prst="rect">
+            <a:avLst/>
+          </a:prstGeom>
+        </p:spPr>
+      </p:pic>
     </p:spTree>
   </p:cSld>
   <p:clrMapOvr>
